--- a/Nine_1/Genetic Markers for Tregs.pptx
+++ b/Nine_1/Genetic Markers for Tregs.pptx
@@ -3385,7 +3385,7 @@
           <a:lstStyle/>
           <a:p>
             <a:r>
-              <a:rPr lang="en-US"/>
+              <a:rPr lang="en-US" dirty="0"/>
               <a:t>09/02/2020</a:t>
             </a:r>
           </a:p>
